--- a/subscript/myThesis/Figures/he_transfer_scheme.pptx
+++ b/subscript/myThesis/Figures/he_transfer_scheme.pptx
@@ -3712,7 +3712,7 @@
         </p:nvSpPr>
         <p:spPr>
           <a:xfrm>
-            <a:off x="2224462" y="761124"/>
+            <a:off x="2240842" y="759398"/>
             <a:ext cx="437940" cy="276999"/>
           </a:xfrm>
           <a:prstGeom prst="rect">
@@ -3731,6 +3731,96 @@
                 <a:ea typeface="Palatino" pitchFamily="2" charset="77"/>
               </a:rPr>
               <a:t>6</a:t>
+            </a:r>
+            <a:r>
+              <a:rPr lang="en-US" sz="1200" dirty="0">
+                <a:latin typeface="Palatino" pitchFamily="2" charset="77"/>
+                <a:ea typeface="Palatino" pitchFamily="2" charset="77"/>
+              </a:rPr>
+              <a:t>He</a:t>
+            </a:r>
+            <a:endParaRPr lang="ru-RU" sz="1200" dirty="0"/>
+          </a:p>
+        </p:txBody>
+      </p:sp>
+      <p:sp>
+        <p:nvSpPr>
+          <p:cNvPr id="47" name="Rectangle 46">
+            <a:extLst>
+              <a:ext uri="{FF2B5EF4-FFF2-40B4-BE49-F238E27FC236}">
+                <a16:creationId xmlns:a16="http://schemas.microsoft.com/office/drawing/2014/main" id="{3CBBFB67-E6A1-754D-964B-281039F69307}"/>
+              </a:ext>
+            </a:extLst>
+          </p:cNvPr>
+          <p:cNvSpPr/>
+          <p:nvPr/>
+        </p:nvSpPr>
+        <p:spPr>
+          <a:xfrm>
+            <a:off x="1903526" y="64838"/>
+            <a:ext cx="437940" cy="276999"/>
+          </a:xfrm>
+          <a:prstGeom prst="rect">
+            <a:avLst/>
+          </a:prstGeom>
+        </p:spPr>
+        <p:txBody>
+          <a:bodyPr wrap="none">
+            <a:spAutoFit/>
+          </a:bodyPr>
+          <a:lstStyle/>
+          <a:p>
+            <a:r>
+              <a:rPr lang="en-US" sz="1200" baseline="30000" dirty="0">
+                <a:latin typeface="Palatino" pitchFamily="2" charset="77"/>
+                <a:ea typeface="Palatino" pitchFamily="2" charset="77"/>
+              </a:rPr>
+              <a:t>5</a:t>
+            </a:r>
+            <a:r>
+              <a:rPr lang="en-US" sz="1200" dirty="0">
+                <a:latin typeface="Palatino" pitchFamily="2" charset="77"/>
+                <a:ea typeface="Palatino" pitchFamily="2" charset="77"/>
+              </a:rPr>
+              <a:t>He</a:t>
+            </a:r>
+            <a:endParaRPr lang="ru-RU" sz="1200" dirty="0"/>
+          </a:p>
+        </p:txBody>
+      </p:sp>
+      <p:sp>
+        <p:nvSpPr>
+          <p:cNvPr id="48" name="Rectangle 47">
+            <a:extLst>
+              <a:ext uri="{FF2B5EF4-FFF2-40B4-BE49-F238E27FC236}">
+                <a16:creationId xmlns:a16="http://schemas.microsoft.com/office/drawing/2014/main" id="{D4337278-E40E-AF4B-A31E-0917DECC7746}"/>
+              </a:ext>
+            </a:extLst>
+          </p:cNvPr>
+          <p:cNvSpPr/>
+          <p:nvPr/>
+        </p:nvSpPr>
+        <p:spPr>
+          <a:xfrm>
+            <a:off x="1867530" y="771487"/>
+            <a:ext cx="437940" cy="276999"/>
+          </a:xfrm>
+          <a:prstGeom prst="rect">
+            <a:avLst/>
+          </a:prstGeom>
+        </p:spPr>
+        <p:txBody>
+          <a:bodyPr wrap="none">
+            <a:spAutoFit/>
+          </a:bodyPr>
+          <a:lstStyle/>
+          <a:p>
+            <a:r>
+              <a:rPr lang="en-US" sz="1200" baseline="30000" dirty="0">
+                <a:latin typeface="Palatino" pitchFamily="2" charset="77"/>
+                <a:ea typeface="Palatino" pitchFamily="2" charset="77"/>
+              </a:rPr>
+              <a:t>5</a:t>
             </a:r>
             <a:r>
               <a:rPr lang="en-US" sz="1200" dirty="0">
